--- a/ProjektWS1718.pptx
+++ b/ProjektWS1718.pptx
@@ -5089,37 +5089,11 @@
         <p:spPr/>
         <p:txBody>
           <a:bodyPr>
-            <a:normAutofit fontScale="85000" lnSpcReduction="20000"/>
+            <a:normAutofit/>
           </a:bodyPr>
           <a:lstStyle/>
           <a:p>
-            <a:r>
-              <a:rPr lang="de-DE" dirty="0"/>
-              <a:t>Client/App-Entwicklung </a:t>
-            </a:r>
-          </a:p>
-          <a:p>
-            <a:r>
-              <a:rPr lang="de-DE" dirty="0"/>
-              <a:t>für ein </a:t>
-            </a:r>
-            <a:r>
-              <a:rPr lang="de-DE" dirty="0" err="1"/>
-              <a:t>eAkte</a:t>
-            </a:r>
-            <a:r>
-              <a:rPr lang="de-DE" dirty="0"/>
-              <a:t>-System</a:t>
-            </a:r>
-          </a:p>
-          <a:p>
             <a:endParaRPr lang="de-DE" dirty="0"/>
-          </a:p>
-          <a:p>
-            <a:r>
-              <a:rPr lang="de-DE" dirty="0"/>
-              <a:t>WS 2016/17</a:t>
-            </a:r>
           </a:p>
         </p:txBody>
       </p:sp>
